--- a/UI_UX-환경분석.pptx
+++ b/UI_UX-환경분석.pptx
@@ -15,6 +15,7 @@
     <p:sldId id="263" r:id="rId9"/>
     <p:sldId id="264" r:id="rId10"/>
     <p:sldId id="265" r:id="rId11"/>
+    <p:sldId id="266" r:id="rId12"/>
   </p:sldIdLst>
   <p:sldSz cx="10287000" cy="10287000" type="screen4x3"/>
   <p:notesSz cx="10287000" cy="10287000"/>
@@ -302,7 +303,7 @@
           <a:p>
             <a:fld id="{F8166F1F-CE9B-4651-A6AA-CD717754106B}" type="datetimeFigureOut">
               <a:rPr lang="en-US" smtClean="0"/>
-              <a:t>7/26/2021</a:t>
+              <a:t>7/28/2021</a:t>
             </a:fld>
             <a:endParaRPr lang="en-US"/>
           </a:p>
@@ -809,7 +810,7 @@
           <a:p>
             <a:fld id="{A76116CE-C4A3-4A05-B2D7-7C2E9A889C0F}" type="datetimeFigureOut">
               <a:rPr lang="en-US" smtClean="0"/>
-              <a:t>7/26/2021</a:t>
+              <a:t>7/28/2021</a:t>
             </a:fld>
             <a:endParaRPr lang="en-US"/>
           </a:p>
@@ -1050,7 +1051,7 @@
           <a:p>
             <a:fld id="{A76116CE-C4A3-4A05-B2D7-7C2E9A889C0F}" type="datetimeFigureOut">
               <a:rPr lang="en-US" smtClean="0"/>
-              <a:t>7/26/2021</a:t>
+              <a:t>7/28/2021</a:t>
             </a:fld>
             <a:endParaRPr lang="en-US"/>
           </a:p>
@@ -3139,7 +3140,7 @@
         <p:spPr>
           <a:xfrm>
             <a:off x="2225617" y="4404052"/>
-            <a:ext cx="5412917" cy="1889951"/>
+            <a:ext cx="5412917" cy="1658528"/>
           </a:xfrm>
           <a:prstGeom prst="rect">
             <a:avLst/>
@@ -3503,6 +3504,126 @@
           <a:xfrm>
             <a:off x="995239" y="9400000"/>
             <a:ext cx="6876186" cy="249264"/>
+          </a:xfrm>
+          <a:prstGeom prst="rect">
+            <a:avLst/>
+          </a:prstGeom>
+        </p:spPr>
+      </p:pic>
+    </p:spTree>
+  </p:cSld>
+  <p:clrMapOvr>
+    <a:masterClrMapping/>
+  </p:clrMapOvr>
+</p:sld>
+</file>
+
+<file path=ppt/slides/slide11.xml><?xml version="1.0" encoding="utf-8"?>
+<p:sld xmlns:a="http://schemas.openxmlformats.org/drawingml/2006/main" xmlns:r="http://schemas.openxmlformats.org/officeDocument/2006/relationships" xmlns:p="http://schemas.openxmlformats.org/presentationml/2006/main">
+  <p:cSld name="Slide 11">
+    <p:bg>
+      <p:bgPr>
+        <a:solidFill>
+          <a:srgbClr val="FFFFFF"/>
+        </a:solidFill>
+        <a:effectLst/>
+      </p:bgPr>
+    </p:bg>
+    <p:spTree>
+      <p:nvGrpSpPr>
+        <p:cNvPr id="1" name=""/>
+        <p:cNvGrpSpPr/>
+        <p:nvPr/>
+      </p:nvGrpSpPr>
+      <p:grpSpPr>
+        <a:xfrm>
+          <a:off x="0" y="0"/>
+          <a:ext cx="0" cy="0"/>
+          <a:chOff x="0" y="0"/>
+          <a:chExt cx="0" cy="0"/>
+        </a:xfrm>
+      </p:grpSpPr>
+      <p:grpSp>
+        <p:nvGrpSpPr>
+          <p:cNvPr id="1001" name="그룹 1001"/>
+          <p:cNvGrpSpPr/>
+          <p:nvPr/>
+        </p:nvGrpSpPr>
+        <p:grpSpPr>
+          <a:xfrm>
+            <a:off x="0" y="0"/>
+            <a:ext cx="10285714" cy="10285714"/>
+            <a:chOff x="0" y="0"/>
+            <a:chExt cx="10285714" cy="10285714"/>
+          </a:xfrm>
+        </p:grpSpPr>
+        <p:pic>
+          <p:nvPicPr>
+            <p:cNvPr id="3" name="Object 2"/>
+            <p:cNvPicPr>
+              <a:picLocks noChangeAspect="1"/>
+            </p:cNvPicPr>
+            <p:nvPr/>
+          </p:nvPicPr>
+          <p:blipFill>
+            <a:blip r:embed="rId2" cstate="print"/>
+            <a:stretch>
+              <a:fillRect/>
+            </a:stretch>
+          </p:blipFill>
+          <p:spPr>
+            <a:xfrm>
+              <a:off x="0" y="0"/>
+              <a:ext cx="10285714" cy="10285714"/>
+            </a:xfrm>
+            <a:prstGeom prst="rect">
+              <a:avLst/>
+            </a:prstGeom>
+          </p:spPr>
+        </p:pic>
+      </p:grpSp>
+      <p:pic>
+        <p:nvPicPr>
+          <p:cNvPr id="5" name="Object 4"/>
+          <p:cNvPicPr>
+            <a:picLocks noChangeAspect="1"/>
+          </p:cNvPicPr>
+          <p:nvPr/>
+        </p:nvPicPr>
+        <p:blipFill>
+          <a:blip r:embed="rId3" cstate="print"/>
+          <a:stretch>
+            <a:fillRect/>
+          </a:stretch>
+        </p:blipFill>
+        <p:spPr>
+          <a:xfrm>
+            <a:off x="2128935" y="4775276"/>
+            <a:ext cx="4293750" cy="945636"/>
+          </a:xfrm>
+          <a:prstGeom prst="rect">
+            <a:avLst/>
+          </a:prstGeom>
+        </p:spPr>
+      </p:pic>
+      <p:pic>
+        <p:nvPicPr>
+          <p:cNvPr id="6" name="Object 5"/>
+          <p:cNvPicPr>
+            <a:picLocks noChangeAspect="1"/>
+          </p:cNvPicPr>
+          <p:nvPr/>
+        </p:nvPicPr>
+        <p:blipFill>
+          <a:blip r:embed="rId4" cstate="print"/>
+          <a:stretch>
+            <a:fillRect/>
+          </a:stretch>
+        </p:blipFill>
+        <p:spPr>
+          <a:xfrm>
+            <a:off x="4133830" y="4602487"/>
+            <a:ext cx="1216400" cy="305888"/>
           </a:xfrm>
           <a:prstGeom prst="rect">
             <a:avLst/>
